--- a/Проект Яндекс Лицей.pptx
+++ b/Проект Яндекс Лицей.pptx
@@ -112,7 +112,20 @@
       </a:defRPr>
     </a:lvl9pPr>
   </p:defaultTextStyle>
+  <p:extLst>
+    <p:ext uri="{EFAFB233-063F-42B5-8137-9DF3F51BA10A}">
+      <p15:sldGuideLst xmlns:p15="http://schemas.microsoft.com/office/powerpoint/2012/main"/>
+    </p:ext>
+  </p:extLst>
 </p:presentation>
+</file>
+
+<file path=ppt/revisionInfo.xml><?xml version="1.0" encoding="utf-8"?>
+<p1510:revInfo xmlns:a="http://schemas.openxmlformats.org/drawingml/2006/main" xmlns:r="http://schemas.openxmlformats.org/officeDocument/2006/relationships" xmlns:p1510="http://schemas.microsoft.com/office/powerpoint/2015/10/main">
+  <p1510:revLst>
+    <p1510:client id="{D309351C-D04D-1BE1-573A-84907193B20B}" v="57" dt="2025-02-03T10:07:21.811"/>
+  </p1510:revLst>
+</p1510:revInfo>
 </file>
 
 <file path=ppt/slideLayouts/slideLayout1.xml><?xml version="1.0" encoding="utf-8"?>
@@ -1326,7 +1339,7 @@
           <a:p>
             <a:fld id="{1196D30F-2220-481F-B5D2-A31F93DACD52}" type="datetimeFigureOut">
               <a:rPr lang="ru-RU" smtClean="0"/>
-              <a:t>02.02.2025</a:t>
+              <a:t>03.02.2025</a:t>
             </a:fld>
             <a:endParaRPr lang="ru-RU"/>
           </a:p>
@@ -1564,7 +1577,7 @@
           <a:p>
             <a:fld id="{1196D30F-2220-481F-B5D2-A31F93DACD52}" type="datetimeFigureOut">
               <a:rPr lang="ru-RU" smtClean="0"/>
-              <a:t>02.02.2025</a:t>
+              <a:t>03.02.2025</a:t>
             </a:fld>
             <a:endParaRPr lang="ru-RU"/>
           </a:p>
@@ -1744,7 +1757,7 @@
           <a:p>
             <a:fld id="{1196D30F-2220-481F-B5D2-A31F93DACD52}" type="datetimeFigureOut">
               <a:rPr lang="ru-RU" smtClean="0"/>
-              <a:t>02.02.2025</a:t>
+              <a:t>03.02.2025</a:t>
             </a:fld>
             <a:endParaRPr lang="ru-RU"/>
           </a:p>
@@ -1914,7 +1927,7 @@
           <a:p>
             <a:fld id="{1196D30F-2220-481F-B5D2-A31F93DACD52}" type="datetimeFigureOut">
               <a:rPr lang="ru-RU" smtClean="0"/>
-              <a:t>02.02.2025</a:t>
+              <a:t>03.02.2025</a:t>
             </a:fld>
             <a:endParaRPr lang="ru-RU"/>
           </a:p>
@@ -2190,7 +2203,7 @@
           <a:p>
             <a:fld id="{1196D30F-2220-481F-B5D2-A31F93DACD52}" type="datetimeFigureOut">
               <a:rPr lang="ru-RU" smtClean="0"/>
-              <a:t>02.02.2025</a:t>
+              <a:t>03.02.2025</a:t>
             </a:fld>
             <a:endParaRPr lang="ru-RU"/>
           </a:p>
@@ -3391,7 +3404,7 @@
           <a:p>
             <a:fld id="{1196D30F-2220-481F-B5D2-A31F93DACD52}" type="datetimeFigureOut">
               <a:rPr lang="ru-RU" smtClean="0"/>
-              <a:t>02.02.2025</a:t>
+              <a:t>03.02.2025</a:t>
             </a:fld>
             <a:endParaRPr lang="ru-RU"/>
           </a:p>
@@ -3781,7 +3794,7 @@
           <a:p>
             <a:fld id="{1196D30F-2220-481F-B5D2-A31F93DACD52}" type="datetimeFigureOut">
               <a:rPr lang="ru-RU" smtClean="0"/>
-              <a:t>02.02.2025</a:t>
+              <a:t>03.02.2025</a:t>
             </a:fld>
             <a:endParaRPr lang="ru-RU"/>
           </a:p>
@@ -3904,7 +3917,7 @@
           <a:p>
             <a:fld id="{1196D30F-2220-481F-B5D2-A31F93DACD52}" type="datetimeFigureOut">
               <a:rPr lang="ru-RU" smtClean="0"/>
-              <a:t>02.02.2025</a:t>
+              <a:t>03.02.2025</a:t>
             </a:fld>
             <a:endParaRPr lang="ru-RU"/>
           </a:p>
@@ -3999,7 +4012,7 @@
           <a:p>
             <a:fld id="{1196D30F-2220-481F-B5D2-A31F93DACD52}" type="datetimeFigureOut">
               <a:rPr lang="ru-RU" smtClean="0"/>
-              <a:t>02.02.2025</a:t>
+              <a:t>03.02.2025</a:t>
             </a:fld>
             <a:endParaRPr lang="ru-RU"/>
           </a:p>
@@ -4762,7 +4775,7 @@
           <a:p>
             <a:fld id="{1196D30F-2220-481F-B5D2-A31F93DACD52}" type="datetimeFigureOut">
               <a:rPr lang="ru-RU" smtClean="0"/>
-              <a:t>02.02.2025</a:t>
+              <a:t>03.02.2025</a:t>
             </a:fld>
             <a:endParaRPr lang="ru-RU"/>
           </a:p>
@@ -5602,7 +5615,7 @@
           <a:p>
             <a:fld id="{1196D30F-2220-481F-B5D2-A31F93DACD52}" type="datetimeFigureOut">
               <a:rPr lang="ru-RU" smtClean="0"/>
-              <a:t>02.02.2025</a:t>
+              <a:t>03.02.2025</a:t>
             </a:fld>
             <a:endParaRPr lang="ru-RU"/>
           </a:p>
@@ -5829,7 +5842,7 @@
           <a:p>
             <a:fld id="{1196D30F-2220-481F-B5D2-A31F93DACD52}" type="datetimeFigureOut">
               <a:rPr lang="ru-RU" smtClean="0"/>
-              <a:t>02.02.2025</a:t>
+              <a:t>03.02.2025</a:t>
             </a:fld>
             <a:endParaRPr lang="ru-RU"/>
           </a:p>
@@ -7268,20 +7281,32 @@
           </a:xfrm>
         </p:spPr>
         <p:txBody>
-          <a:bodyPr/>
+          <a:bodyPr vert="horz" lIns="91440" tIns="45720" rIns="91440" bIns="45720" rtlCol="0" anchor="t">
+            <a:normAutofit/>
+          </a:bodyPr>
           <a:lstStyle/>
           <a:p>
             <a:r>
-              <a:rPr lang="ru-RU" dirty="0"/>
+              <a:rPr lang="ru-RU" dirty="0">
+                <a:latin typeface="Corbel"/>
+              </a:rPr>
               <a:t>Начальный экран, просто класс который отслеживает, если игрок нажал </a:t>
             </a:r>
             <a:r>
               <a:rPr lang="en-US" dirty="0"/>
-              <a:t>SHIFT</a:t>
-            </a:r>
-            <a:r>
-              <a:rPr lang="ru-RU" dirty="0"/>
-              <a:t> для начала игры, а также объясняет на понятном языке принцип игры.</a:t>
+              <a:t>ENTER</a:t>
+            </a:r>
+            <a:r>
+              <a:rPr lang="en-US" dirty="0">
+                <a:latin typeface="Gill Sans MT"/>
+              </a:rPr>
+              <a:t> </a:t>
+            </a:r>
+            <a:r>
+              <a:rPr lang="ru-RU" dirty="0">
+                <a:latin typeface="Corbel"/>
+              </a:rPr>
+              <a:t>для начала игры, а также объясняет на понятном языке принцип игры.</a:t>
             </a:r>
           </a:p>
         </p:txBody>
@@ -7529,7 +7554,7 @@
         </p:nvSpPr>
         <p:spPr>
           <a:xfrm>
-            <a:off x="1" y="1492132"/>
+            <a:off x="762001" y="1513104"/>
             <a:ext cx="8793677" cy="407920"/>
           </a:xfrm>
         </p:spPr>
@@ -7810,7 +7835,7 @@
         </p:nvSpPr>
         <p:spPr>
           <a:xfrm>
-            <a:off x="1" y="1492132"/>
+            <a:off x="831909" y="1492132"/>
             <a:ext cx="8793677" cy="407920"/>
           </a:xfrm>
         </p:spPr>
@@ -7891,7 +7916,7 @@
           </a:prstGeom>
         </p:spPr>
         <p:txBody>
-          <a:bodyPr vert="horz" lIns="91440" tIns="45720" rIns="91440" bIns="45720" rtlCol="0">
+          <a:bodyPr vert="horz" lIns="91440" tIns="45720" rIns="91440" bIns="45720" rtlCol="0" anchor="t">
             <a:normAutofit/>
           </a:bodyPr>
           <a:lstStyle>
@@ -8114,19 +8139,22 @@
           </a:lstStyle>
           <a:p>
             <a:pPr marL="0" indent="0">
-              <a:buFont typeface="Arial" panose="020B0604020202020204" pitchFamily="34" charset="0"/>
               <a:buNone/>
             </a:pPr>
             <a:r>
-              <a:rPr lang="ru-RU" dirty="0"/>
-              <a:t>Анимированный взрыв создаётся из картинки состоящей из 8  других картинок, этот класс режет </a:t>
+              <a:rPr lang="ru-RU" dirty="0">
+                <a:latin typeface="Corbel"/>
+              </a:rPr>
+              <a:t>Анимированный взрыв создаётся из картинки состоящей из 8 других картинок, этот класс режет </a:t>
             </a:r>
             <a:r>
               <a:rPr lang="en-US" dirty="0"/>
               <a:t>“sprite sheet”</a:t>
             </a:r>
             <a:r>
-              <a:rPr lang="ru-RU" dirty="0"/>
+              <a:rPr lang="ru-RU" dirty="0">
+                <a:latin typeface="Corbel"/>
+              </a:rPr>
               <a:t> по столбам и линиям, на выходе получая 8 разных картинок, который он крутит по одной за тик.</a:t>
             </a:r>
           </a:p>
@@ -8211,7 +8239,7 @@
         </p:nvSpPr>
         <p:spPr>
           <a:xfrm>
-            <a:off x="758851" y="1140032"/>
+            <a:off x="849732" y="1140032"/>
             <a:ext cx="11009595" cy="1288472"/>
           </a:xfrm>
           <a:prstGeom prst="rect">
@@ -8219,7 +8247,7 @@
           </a:prstGeom>
         </p:spPr>
         <p:txBody>
-          <a:bodyPr vert="horz" lIns="91440" tIns="45720" rIns="91440" bIns="45720" rtlCol="0">
+          <a:bodyPr vert="horz" lIns="91440" tIns="45720" rIns="91440" bIns="45720" rtlCol="0" anchor="t">
             <a:normAutofit/>
           </a:bodyPr>
           <a:lstStyle>
@@ -8442,24 +8470,137 @@
           </a:lstStyle>
           <a:p>
             <a:pPr marL="0" indent="0">
-              <a:buFont typeface="Arial" panose="020B0604020202020204" pitchFamily="34" charset="0"/>
               <a:buNone/>
             </a:pPr>
             <a:r>
-              <a:rPr lang="ru-RU" dirty="0"/>
-              <a:t>Остальная часть кода отвечает за коллизию игрока с пришельцами, выпадение с пришельцев различных улучшений, сама работа этих улучшений (ускорение, двоение и утроение лазеров, сами мины и ускорение </a:t>
-            </a:r>
-            <a:r>
-              <a:rPr lang="ru-RU" dirty="0" err="1"/>
-              <a:t>спавна</a:t>
-            </a:r>
-            <a:r>
-              <a:rPr lang="ru-RU" dirty="0"/>
-              <a:t> ракет).</a:t>
+              <a:rPr lang="ru-RU" dirty="0">
+                <a:latin typeface="Corbel"/>
+              </a:rPr>
+              <a:t>Остальная часть кода отвечает за коллизию игрока с пришельцами, выпадение с пришельцев различных улучшений, сама работа этих улучшений (ускорение, двоение и утроение лазеров, сами мины и ускорение выстрела ракет).</a:t>
             </a:r>
           </a:p>
         </p:txBody>
       </p:sp>
+      <p:pic>
+        <p:nvPicPr>
+          <p:cNvPr id="3" name="Рисунок 2" descr="Изображение выглядит как желтый, пиксель, дизайн&#10;&#10;Содержимое, созданное ИИ, может быть неверным.">
+            <a:extLst>
+              <a:ext uri="{FF2B5EF4-FFF2-40B4-BE49-F238E27FC236}">
+                <a16:creationId xmlns:a16="http://schemas.microsoft.com/office/drawing/2014/main" id="{5F196283-F6E4-10CC-5EA4-689EF0781ED2}"/>
+              </a:ext>
+            </a:extLst>
+          </p:cNvPr>
+          <p:cNvPicPr>
+            <a:picLocks noChangeAspect="1"/>
+          </p:cNvPicPr>
+          <p:nvPr/>
+        </p:nvPicPr>
+        <p:blipFill>
+          <a:blip r:embed="rId2"/>
+          <a:stretch>
+            <a:fillRect/>
+          </a:stretch>
+        </p:blipFill>
+        <p:spPr>
+          <a:xfrm>
+            <a:off x="849656" y="2358748"/>
+            <a:ext cx="2143125" cy="2143125"/>
+          </a:xfrm>
+          <a:prstGeom prst="rect">
+            <a:avLst/>
+          </a:prstGeom>
+        </p:spPr>
+      </p:pic>
+      <p:pic>
+        <p:nvPicPr>
+          <p:cNvPr id="4" name="Рисунок 3" descr="Изображение выглядит как снимок экрана, пиксель&#10;&#10;Содержимое, созданное ИИ, может быть неверным.">
+            <a:extLst>
+              <a:ext uri="{FF2B5EF4-FFF2-40B4-BE49-F238E27FC236}">
+                <a16:creationId xmlns:a16="http://schemas.microsoft.com/office/drawing/2014/main" id="{325B7A7C-B025-4185-2D33-1CE7CBABD5B9}"/>
+              </a:ext>
+            </a:extLst>
+          </p:cNvPr>
+          <p:cNvPicPr>
+            <a:picLocks noChangeAspect="1"/>
+          </p:cNvPicPr>
+          <p:nvPr/>
+        </p:nvPicPr>
+        <p:blipFill>
+          <a:blip r:embed="rId3"/>
+          <a:stretch>
+            <a:fillRect/>
+          </a:stretch>
+        </p:blipFill>
+        <p:spPr>
+          <a:xfrm>
+            <a:off x="2987975" y="2356739"/>
+            <a:ext cx="2143125" cy="2143125"/>
+          </a:xfrm>
+          <a:prstGeom prst="rect">
+            <a:avLst/>
+          </a:prstGeom>
+        </p:spPr>
+      </p:pic>
+      <p:pic>
+        <p:nvPicPr>
+          <p:cNvPr id="5" name="Рисунок 4" descr="Изображение выглядит как снимок экрана, пиксель&#10;&#10;Содержимое, созданное ИИ, может быть неверным.">
+            <a:extLst>
+              <a:ext uri="{FF2B5EF4-FFF2-40B4-BE49-F238E27FC236}">
+                <a16:creationId xmlns:a16="http://schemas.microsoft.com/office/drawing/2014/main" id="{80093A78-33AD-B86F-BB2C-5AD17CA513CA}"/>
+              </a:ext>
+            </a:extLst>
+          </p:cNvPr>
+          <p:cNvPicPr>
+            <a:picLocks noChangeAspect="1"/>
+          </p:cNvPicPr>
+          <p:nvPr/>
+        </p:nvPicPr>
+        <p:blipFill>
+          <a:blip r:embed="rId4"/>
+          <a:stretch>
+            <a:fillRect/>
+          </a:stretch>
+        </p:blipFill>
+        <p:spPr>
+          <a:xfrm>
+            <a:off x="5133109" y="2357350"/>
+            <a:ext cx="2143125" cy="2143125"/>
+          </a:xfrm>
+          <a:prstGeom prst="rect">
+            <a:avLst/>
+          </a:prstGeom>
+        </p:spPr>
+      </p:pic>
+      <p:pic>
+        <p:nvPicPr>
+          <p:cNvPr id="6" name="Рисунок 5" descr="Изображение выглядит как снимок экрана, желтый, пиксель, дизайн&#10;&#10;Содержимое, созданное ИИ, может быть неверным.">
+            <a:extLst>
+              <a:ext uri="{FF2B5EF4-FFF2-40B4-BE49-F238E27FC236}">
+                <a16:creationId xmlns:a16="http://schemas.microsoft.com/office/drawing/2014/main" id="{7247C222-399D-E018-6E44-256F7343619D}"/>
+              </a:ext>
+            </a:extLst>
+          </p:cNvPr>
+          <p:cNvPicPr>
+            <a:picLocks noChangeAspect="1"/>
+          </p:cNvPicPr>
+          <p:nvPr/>
+        </p:nvPicPr>
+        <p:blipFill>
+          <a:blip r:embed="rId5"/>
+          <a:stretch>
+            <a:fillRect/>
+          </a:stretch>
+        </p:blipFill>
+        <p:spPr>
+          <a:xfrm>
+            <a:off x="7277633" y="2357176"/>
+            <a:ext cx="2143125" cy="2143125"/>
+          </a:xfrm>
+          <a:prstGeom prst="rect">
+            <a:avLst/>
+          </a:prstGeom>
+        </p:spPr>
+      </p:pic>
     </p:spTree>
     <p:extLst>
       <p:ext uri="{BB962C8B-B14F-4D97-AF65-F5344CB8AC3E}">

--- a/Проект Яндекс Лицей.pptx
+++ b/Проект Яндекс Лицей.pptx
@@ -7166,6 +7166,10 @@
               <a:rPr lang="ru-RU" dirty="0"/>
               <a:t> для шансов на выпадение улучшений.</a:t>
             </a:r>
+            <a:r>
+              <a:rPr lang="en-US" dirty="0"/>
+              <a:t/>
+            </a:r>
             <a:br>
               <a:rPr lang="en-US" dirty="0"/>
             </a:br>
@@ -7190,8 +7194,27 @@
             </a:r>
             <a:r>
               <a:rPr lang="ru-RU" dirty="0"/>
-              <a:t> для выхода из системы.</a:t>
-            </a:r>
+              <a:t> для выхода из системы</a:t>
+            </a:r>
+            <a:r>
+              <a:rPr lang="ru-RU" dirty="0" smtClean="0"/>
+              <a:t>.</a:t>
+            </a:r>
+            <a:endParaRPr lang="en-US" dirty="0" smtClean="0"/>
+          </a:p>
+          <a:p>
+            <a:pPr marL="0" indent="0">
+              <a:buNone/>
+            </a:pPr>
+            <a:r>
+              <a:rPr lang="en-US" dirty="0" smtClean="0"/>
+              <a:t>sqlite3 – </a:t>
+            </a:r>
+            <a:r>
+              <a:rPr lang="ru-RU" dirty="0" smtClean="0"/>
+              <a:t>для сохранения данных между играми</a:t>
+            </a:r>
+            <a:endParaRPr lang="ru-RU" dirty="0"/>
           </a:p>
         </p:txBody>
       </p:sp>
@@ -7422,7 +7445,7 @@
         </p:nvSpPr>
         <p:spPr>
           <a:xfrm>
-            <a:off x="5438899" y="1492132"/>
+            <a:off x="5159224" y="1492132"/>
             <a:ext cx="6753101" cy="5365868"/>
           </a:xfrm>
         </p:spPr>
